--- a/plan.pptx
+++ b/plan.pptx
@@ -259,7 +259,7 @@
           <a:p>
             <a:fld id="{5FC40D78-AADF-49D2-B0B3-66835C2619BA}" type="datetimeFigureOut">
               <a:rPr lang="ko-KR" altLang="en-US" smtClean="0"/>
-              <a:t>2022-09-06</a:t>
+              <a:t>2022-09-07</a:t>
             </a:fld>
             <a:endParaRPr lang="ko-KR" altLang="en-US"/>
           </a:p>
@@ -457,7 +457,7 @@
           <a:p>
             <a:fld id="{5FC40D78-AADF-49D2-B0B3-66835C2619BA}" type="datetimeFigureOut">
               <a:rPr lang="ko-KR" altLang="en-US" smtClean="0"/>
-              <a:t>2022-09-06</a:t>
+              <a:t>2022-09-07</a:t>
             </a:fld>
             <a:endParaRPr lang="ko-KR" altLang="en-US"/>
           </a:p>
@@ -665,7 +665,7 @@
           <a:p>
             <a:fld id="{5FC40D78-AADF-49D2-B0B3-66835C2619BA}" type="datetimeFigureOut">
               <a:rPr lang="ko-KR" altLang="en-US" smtClean="0"/>
-              <a:t>2022-09-06</a:t>
+              <a:t>2022-09-07</a:t>
             </a:fld>
             <a:endParaRPr lang="ko-KR" altLang="en-US"/>
           </a:p>
@@ -863,7 +863,7 @@
           <a:p>
             <a:fld id="{5FC40D78-AADF-49D2-B0B3-66835C2619BA}" type="datetimeFigureOut">
               <a:rPr lang="ko-KR" altLang="en-US" smtClean="0"/>
-              <a:t>2022-09-06</a:t>
+              <a:t>2022-09-07</a:t>
             </a:fld>
             <a:endParaRPr lang="ko-KR" altLang="en-US"/>
           </a:p>
@@ -1138,7 +1138,7 @@
           <a:p>
             <a:fld id="{5FC40D78-AADF-49D2-B0B3-66835C2619BA}" type="datetimeFigureOut">
               <a:rPr lang="ko-KR" altLang="en-US" smtClean="0"/>
-              <a:t>2022-09-06</a:t>
+              <a:t>2022-09-07</a:t>
             </a:fld>
             <a:endParaRPr lang="ko-KR" altLang="en-US"/>
           </a:p>
@@ -1403,7 +1403,7 @@
           <a:p>
             <a:fld id="{5FC40D78-AADF-49D2-B0B3-66835C2619BA}" type="datetimeFigureOut">
               <a:rPr lang="ko-KR" altLang="en-US" smtClean="0"/>
-              <a:t>2022-09-06</a:t>
+              <a:t>2022-09-07</a:t>
             </a:fld>
             <a:endParaRPr lang="ko-KR" altLang="en-US"/>
           </a:p>
@@ -1815,7 +1815,7 @@
           <a:p>
             <a:fld id="{5FC40D78-AADF-49D2-B0B3-66835C2619BA}" type="datetimeFigureOut">
               <a:rPr lang="ko-KR" altLang="en-US" smtClean="0"/>
-              <a:t>2022-09-06</a:t>
+              <a:t>2022-09-07</a:t>
             </a:fld>
             <a:endParaRPr lang="ko-KR" altLang="en-US"/>
           </a:p>
@@ -1956,7 +1956,7 @@
           <a:p>
             <a:fld id="{5FC40D78-AADF-49D2-B0B3-66835C2619BA}" type="datetimeFigureOut">
               <a:rPr lang="ko-KR" altLang="en-US" smtClean="0"/>
-              <a:t>2022-09-06</a:t>
+              <a:t>2022-09-07</a:t>
             </a:fld>
             <a:endParaRPr lang="ko-KR" altLang="en-US"/>
           </a:p>
@@ -2069,7 +2069,7 @@
           <a:p>
             <a:fld id="{5FC40D78-AADF-49D2-B0B3-66835C2619BA}" type="datetimeFigureOut">
               <a:rPr lang="ko-KR" altLang="en-US" smtClean="0"/>
-              <a:t>2022-09-06</a:t>
+              <a:t>2022-09-07</a:t>
             </a:fld>
             <a:endParaRPr lang="ko-KR" altLang="en-US"/>
           </a:p>
@@ -2380,7 +2380,7 @@
           <a:p>
             <a:fld id="{5FC40D78-AADF-49D2-B0B3-66835C2619BA}" type="datetimeFigureOut">
               <a:rPr lang="ko-KR" altLang="en-US" smtClean="0"/>
-              <a:t>2022-09-06</a:t>
+              <a:t>2022-09-07</a:t>
             </a:fld>
             <a:endParaRPr lang="ko-KR" altLang="en-US"/>
           </a:p>
@@ -2668,7 +2668,7 @@
           <a:p>
             <a:fld id="{5FC40D78-AADF-49D2-B0B3-66835C2619BA}" type="datetimeFigureOut">
               <a:rPr lang="ko-KR" altLang="en-US" smtClean="0"/>
-              <a:t>2022-09-06</a:t>
+              <a:t>2022-09-07</a:t>
             </a:fld>
             <a:endParaRPr lang="ko-KR" altLang="en-US"/>
           </a:p>
@@ -2909,7 +2909,7 @@
           <a:p>
             <a:fld id="{5FC40D78-AADF-49D2-B0B3-66835C2619BA}" type="datetimeFigureOut">
               <a:rPr lang="ko-KR" altLang="en-US" smtClean="0"/>
-              <a:t>2022-09-06</a:t>
+              <a:t>2022-09-07</a:t>
             </a:fld>
             <a:endParaRPr lang="ko-KR" altLang="en-US"/>
           </a:p>
@@ -3864,18 +3864,18 @@
           <a:lstStyle/>
           <a:p>
             <a:r>
-              <a:rPr lang="en-US" altLang="ko-KR" sz="1200"/>
+              <a:rPr lang="en-US" altLang="ko-KR" sz="1200" dirty="0"/>
               <a:t>/</a:t>
             </a:r>
             <a:r>
-              <a:rPr lang="ko-KR" altLang="en-US" sz="1200"/>
+              <a:rPr lang="ko-KR" altLang="en-US" sz="1200" dirty="0" err="1"/>
               <a:t>보기문</a:t>
             </a:r>
-            <a:endParaRPr lang="en-US" altLang="ko-KR" sz="1200"/>
-          </a:p>
-          <a:p>
-            <a:r>
-              <a:rPr lang="en-US" altLang="ko-KR" sz="1200">
+            <a:endParaRPr lang="en-US" altLang="ko-KR" sz="1200" dirty="0"/>
+          </a:p>
+          <a:p>
+            <a:r>
+              <a:rPr lang="en-US" altLang="ko-KR" sz="1200" dirty="0">
                 <a:solidFill>
                   <a:schemeClr val="tx1">
                     <a:lumMod val="65000"/>
@@ -3886,7 +3886,7 @@
               <a:t>  X - /</a:t>
             </a:r>
             <a:r>
-              <a:rPr lang="ko-KR" altLang="en-US" sz="1200">
+              <a:rPr lang="ko-KR" altLang="en-US" sz="1200" dirty="0">
                 <a:solidFill>
                   <a:schemeClr val="tx1">
                     <a:lumMod val="65000"/>
@@ -3897,7 +3897,7 @@
               <a:t>단락</a:t>
             </a:r>
             <a:r>
-              <a:rPr lang="en-US" altLang="ko-KR" sz="1200">
+              <a:rPr lang="en-US" altLang="ko-KR" sz="1200" dirty="0">
                 <a:solidFill>
                   <a:schemeClr val="tx1">
                     <a:lumMod val="65000"/>
@@ -3908,7 +3908,7 @@
               <a:t>_ ~ /.</a:t>
             </a:r>
             <a:r>
-              <a:rPr lang="ko-KR" altLang="en-US" sz="1200">
+              <a:rPr lang="ko-KR" altLang="en-US" sz="1200" dirty="0">
                 <a:solidFill>
                   <a:schemeClr val="tx1">
                     <a:lumMod val="65000"/>
@@ -3921,7 +3921,7 @@
           </a:p>
           <a:p>
             <a:r>
-              <a:rPr lang="en-US" altLang="ko-KR" sz="1200">
+              <a:rPr lang="en-US" altLang="ko-KR" sz="1200" dirty="0">
                 <a:solidFill>
                   <a:schemeClr val="tx1">
                     <a:lumMod val="65000"/>
@@ -3932,7 +3932,7 @@
               <a:t>  X - /</a:t>
             </a:r>
             <a:r>
-              <a:rPr lang="ko-KR" altLang="en-US" sz="1200">
+              <a:rPr lang="ko-KR" altLang="en-US" sz="1200" dirty="0">
                 <a:solidFill>
                   <a:schemeClr val="tx1">
                     <a:lumMod val="65000"/>
@@ -3943,7 +3943,7 @@
               <a:t>바</a:t>
             </a:r>
             <a:r>
-              <a:rPr lang="en-US" altLang="ko-KR" sz="1200">
+              <a:rPr lang="en-US" altLang="ko-KR" sz="1200" dirty="0">
                 <a:solidFill>
                   <a:schemeClr val="tx1">
                     <a:lumMod val="65000"/>
@@ -3954,7 +3954,7 @@
               <a:t>_-_ ~ /.</a:t>
             </a:r>
             <a:r>
-              <a:rPr lang="ko-KR" altLang="en-US" sz="1200">
+              <a:rPr lang="ko-KR" altLang="en-US" sz="1200" dirty="0">
                 <a:solidFill>
                   <a:schemeClr val="tx1">
                     <a:lumMod val="65000"/>
@@ -3964,7 +3964,7 @@
               </a:rPr>
               <a:t>바</a:t>
             </a:r>
-            <a:endParaRPr lang="en-US" altLang="ko-KR" sz="1200">
+            <a:endParaRPr lang="en-US" altLang="ko-KR" sz="1200" dirty="0">
               <a:solidFill>
                 <a:schemeClr val="tx1">
                   <a:lumMod val="65000"/>
@@ -3974,250 +3974,270 @@
             </a:endParaRPr>
           </a:p>
           <a:p>
-            <a:endParaRPr lang="en-US" altLang="ko-KR" sz="1200"/>
-          </a:p>
-          <a:p>
-            <a:r>
-              <a:rPr lang="en-US" altLang="ko-KR" sz="1200"/>
+            <a:endParaRPr lang="en-US" altLang="ko-KR" sz="1200" dirty="0"/>
+          </a:p>
+          <a:p>
+            <a:r>
+              <a:rPr lang="en-US" altLang="ko-KR" sz="1200" dirty="0"/>
               <a:t>  O - /</a:t>
             </a:r>
             <a:r>
-              <a:rPr lang="ko-KR" altLang="en-US" sz="1200"/>
+              <a:rPr lang="ko-KR" altLang="en-US" sz="1200" dirty="0"/>
               <a:t>한글</a:t>
             </a:r>
             <a:r>
-              <a:rPr lang="en-US" altLang="ko-KR" sz="1200"/>
+              <a:rPr lang="en-US" altLang="ko-KR" sz="1200" dirty="0"/>
               <a:t>_ ~ /.</a:t>
             </a:r>
             <a:r>
-              <a:rPr lang="ko-KR" altLang="en-US" sz="1200"/>
+              <a:rPr lang="ko-KR" altLang="en-US" sz="1200" dirty="0"/>
               <a:t>한글     </a:t>
             </a:r>
             <a:r>
-              <a:rPr lang="en-US" altLang="ko-KR" sz="1200"/>
+              <a:rPr lang="en-US" altLang="ko-KR" sz="1200" dirty="0"/>
               <a:t>(ex. </a:t>
             </a:r>
             <a:r>
-              <a:rPr lang="ko-KR" altLang="en-US" sz="1200"/>
+              <a:rPr lang="ko-KR" altLang="en-US" sz="1200" dirty="0"/>
               <a:t>가</a:t>
             </a:r>
             <a:r>
-              <a:rPr lang="en-US" altLang="ko-KR" sz="1200"/>
+              <a:rPr lang="en-US" altLang="ko-KR" sz="1200" dirty="0"/>
               <a:t>. </a:t>
             </a:r>
             <a:r>
-              <a:rPr lang="ko-KR" altLang="en-US" sz="1200"/>
+              <a:rPr lang="ko-KR" altLang="en-US" sz="1200" dirty="0"/>
               <a:t>나</a:t>
             </a:r>
             <a:r>
-              <a:rPr lang="en-US" altLang="ko-KR" sz="1200"/>
+              <a:rPr lang="en-US" altLang="ko-KR" sz="1200" dirty="0"/>
               <a:t>. </a:t>
             </a:r>
             <a:r>
-              <a:rPr lang="ko-KR" altLang="en-US" sz="1200"/>
+              <a:rPr lang="ko-KR" altLang="en-US" sz="1200" dirty="0"/>
               <a:t>다</a:t>
             </a:r>
             <a:r>
-              <a:rPr lang="en-US" altLang="ko-KR" sz="1200"/>
+              <a:rPr lang="en-US" altLang="ko-KR" sz="1200" dirty="0"/>
               <a:t>. )</a:t>
             </a:r>
           </a:p>
           <a:p>
             <a:r>
-              <a:rPr lang="en-US" altLang="ko-KR" sz="1200"/>
+              <a:rPr lang="en-US" altLang="ko-KR" sz="1200" dirty="0"/>
               <a:t>  O - /</a:t>
             </a:r>
             <a:r>
-              <a:rPr lang="ko-KR" altLang="en-US" sz="1200"/>
+              <a:rPr lang="ko-KR" altLang="en-US" sz="1200" dirty="0" err="1"/>
               <a:t>영소</a:t>
             </a:r>
             <a:r>
-              <a:rPr lang="en-US" altLang="ko-KR" sz="1200"/>
+              <a:rPr lang="en-US" altLang="ko-KR" sz="1200" dirty="0"/>
               <a:t>_ ~ /.</a:t>
             </a:r>
             <a:r>
-              <a:rPr lang="ko-KR" altLang="en-US" sz="1200"/>
-              <a:t>영소     </a:t>
-            </a:r>
-            <a:r>
-              <a:rPr lang="en-US" altLang="ko-KR" sz="1200"/>
+              <a:rPr lang="ko-KR" altLang="en-US" sz="1200" dirty="0" err="1"/>
+              <a:t>영소</a:t>
+            </a:r>
+            <a:r>
+              <a:rPr lang="ko-KR" altLang="en-US" sz="1200" dirty="0"/>
+              <a:t>     </a:t>
+            </a:r>
+            <a:r>
+              <a:rPr lang="en-US" altLang="ko-KR" sz="1200" dirty="0"/>
               <a:t>(ex.</a:t>
             </a:r>
             <a:r>
-              <a:rPr lang="ko-KR" altLang="en-US" sz="1200"/>
+              <a:rPr lang="ko-KR" altLang="en-US" sz="1200" dirty="0"/>
               <a:t> </a:t>
             </a:r>
             <a:r>
-              <a:rPr lang="en-US" altLang="ko-KR" sz="1200"/>
+              <a:rPr lang="en-US" altLang="ko-KR" sz="1200" dirty="0"/>
               <a:t>a.</a:t>
             </a:r>
             <a:r>
-              <a:rPr lang="ko-KR" altLang="en-US" sz="1200"/>
+              <a:rPr lang="ko-KR" altLang="en-US" sz="1200" dirty="0"/>
               <a:t> </a:t>
             </a:r>
             <a:r>
-              <a:rPr lang="en-US" altLang="ko-KR" sz="1200"/>
+              <a:rPr lang="en-US" altLang="ko-KR" sz="1200" dirty="0"/>
               <a:t>b.</a:t>
             </a:r>
             <a:r>
-              <a:rPr lang="ko-KR" altLang="en-US" sz="1200"/>
+              <a:rPr lang="ko-KR" altLang="en-US" sz="1200" dirty="0"/>
               <a:t> </a:t>
             </a:r>
             <a:r>
-              <a:rPr lang="en-US" altLang="ko-KR" sz="1200"/>
+              <a:rPr lang="en-US" altLang="ko-KR" sz="1200" dirty="0"/>
               <a:t>A. B. )</a:t>
             </a:r>
           </a:p>
           <a:p>
             <a:r>
-              <a:rPr lang="en-US" altLang="ko-KR" sz="1200"/>
+              <a:rPr lang="en-US" altLang="ko-KR" sz="1200" dirty="0"/>
               <a:t>  O - /</a:t>
             </a:r>
             <a:r>
-              <a:rPr lang="ko-KR" altLang="en-US" sz="1200"/>
+              <a:rPr lang="ko-KR" altLang="en-US" sz="1200" dirty="0"/>
               <a:t>서클</a:t>
             </a:r>
             <a:r>
-              <a:rPr lang="en-US" altLang="ko-KR" sz="1200"/>
+              <a:rPr lang="en-US" altLang="ko-KR" sz="1200" dirty="0"/>
               <a:t>_ ~ /.</a:t>
             </a:r>
             <a:r>
-              <a:rPr lang="ko-KR" altLang="en-US" sz="1200"/>
+              <a:rPr lang="ko-KR" altLang="en-US" sz="1200" dirty="0"/>
               <a:t>서클     </a:t>
             </a:r>
             <a:r>
-              <a:rPr lang="en-US" altLang="ko-KR" sz="1200"/>
+              <a:rPr lang="en-US" altLang="ko-KR" sz="1200" dirty="0"/>
               <a:t>(ex. </a:t>
             </a:r>
             <a:r>
-              <a:rPr lang="ko-KR" altLang="en-US" sz="1200"/>
+              <a:rPr lang="ko-KR" altLang="en-US" sz="1200" dirty="0"/>
               <a:t>① ② ⓐ ⓑ </a:t>
             </a:r>
             <a:r>
-              <a:rPr lang="en-US" altLang="ko-KR" sz="1200"/>
+              <a:rPr lang="en-US" altLang="ko-KR" sz="1200" dirty="0"/>
               <a:t>)</a:t>
             </a:r>
           </a:p>
           <a:p>
-            <a:endParaRPr lang="en-US" altLang="ko-KR" sz="1200"/>
-          </a:p>
-          <a:p>
-            <a:r>
-              <a:rPr lang="en-US" altLang="ko-KR" sz="1200"/>
+            <a:endParaRPr lang="en-US" altLang="ko-KR" sz="1200" dirty="0"/>
+          </a:p>
+          <a:p>
+            <a:r>
+              <a:rPr lang="en-US" altLang="ko-KR" sz="1200" dirty="0"/>
               <a:t>  O - /</a:t>
             </a:r>
             <a:r>
-              <a:rPr lang="ko-KR" altLang="en-US" sz="1200"/>
+              <a:rPr lang="ko-KR" altLang="en-US" sz="1200" dirty="0" err="1"/>
               <a:t>괄호한글</a:t>
             </a:r>
             <a:r>
-              <a:rPr lang="en-US" altLang="ko-KR" sz="1200"/>
+              <a:rPr lang="en-US" altLang="ko-KR" sz="1200" dirty="0"/>
               <a:t>_ ~ /.</a:t>
             </a:r>
             <a:r>
-              <a:rPr lang="ko-KR" altLang="en-US" sz="1200"/>
-              <a:t>괄호한글   </a:t>
-            </a:r>
-            <a:r>
-              <a:rPr lang="en-US" altLang="ko-KR" sz="1200"/>
+              <a:rPr lang="ko-KR" altLang="en-US" sz="1200" dirty="0" err="1"/>
+              <a:t>괄호한글</a:t>
+            </a:r>
+            <a:r>
+              <a:rPr lang="ko-KR" altLang="en-US" sz="1200" dirty="0"/>
+              <a:t>   </a:t>
+            </a:r>
+            <a:r>
+              <a:rPr lang="en-US" altLang="ko-KR" sz="1200" dirty="0"/>
               <a:t>(ex. (</a:t>
             </a:r>
             <a:r>
-              <a:rPr lang="ko-KR" altLang="en-US" sz="1200"/>
+              <a:rPr lang="ko-KR" altLang="en-US" sz="1200" dirty="0"/>
               <a:t>가</a:t>
             </a:r>
             <a:r>
-              <a:rPr lang="en-US" altLang="ko-KR" sz="1200"/>
+              <a:rPr lang="en-US" altLang="ko-KR" sz="1200" dirty="0"/>
               <a:t>) (</a:t>
             </a:r>
             <a:r>
-              <a:rPr lang="ko-KR" altLang="en-US" sz="1200"/>
+              <a:rPr lang="ko-KR" altLang="en-US" sz="1200" dirty="0"/>
               <a:t>나</a:t>
             </a:r>
             <a:r>
-              <a:rPr lang="en-US" altLang="ko-KR" sz="1200"/>
+              <a:rPr lang="en-US" altLang="ko-KR" sz="1200" dirty="0"/>
               <a:t>) )</a:t>
             </a:r>
           </a:p>
           <a:p>
             <a:r>
-              <a:rPr lang="en-US" altLang="ko-KR" sz="1200"/>
+              <a:rPr lang="en-US" altLang="ko-KR" sz="1200" dirty="0"/>
               <a:t>  O - /</a:t>
             </a:r>
             <a:r>
-              <a:rPr lang="ko-KR" altLang="en-US" sz="1200"/>
+              <a:rPr lang="ko-KR" altLang="en-US" sz="1200" dirty="0" err="1"/>
               <a:t>괄호자음</a:t>
             </a:r>
             <a:r>
-              <a:rPr lang="en-US" altLang="ko-KR" sz="1200"/>
+              <a:rPr lang="en-US" altLang="ko-KR" sz="1200" dirty="0"/>
               <a:t>_ ~ /.</a:t>
             </a:r>
             <a:r>
-              <a:rPr lang="ko-KR" altLang="en-US" sz="1200"/>
-              <a:t>괄호자음   </a:t>
-            </a:r>
-            <a:r>
-              <a:rPr lang="en-US" altLang="ko-KR" sz="1200"/>
+              <a:rPr lang="ko-KR" altLang="en-US" sz="1200" dirty="0" err="1"/>
+              <a:t>괄호자음</a:t>
+            </a:r>
+            <a:r>
+              <a:rPr lang="ko-KR" altLang="en-US" sz="1200" dirty="0"/>
+              <a:t>   </a:t>
+            </a:r>
+            <a:r>
+              <a:rPr lang="en-US" altLang="ko-KR" sz="1200" dirty="0"/>
               <a:t>(ex. (</a:t>
             </a:r>
             <a:r>
-              <a:rPr lang="ko-KR" altLang="en-US" sz="1200"/>
+              <a:rPr lang="ko-KR" altLang="en-US" sz="1200" dirty="0" err="1"/>
               <a:t>ㄱ</a:t>
             </a:r>
             <a:r>
-              <a:rPr lang="en-US" altLang="ko-KR" sz="1200"/>
+              <a:rPr lang="en-US" altLang="ko-KR" sz="1200" dirty="0"/>
               <a:t>) (</a:t>
             </a:r>
             <a:r>
-              <a:rPr lang="ko-KR" altLang="en-US" sz="1200"/>
+              <a:rPr lang="ko-KR" altLang="en-US" sz="1200" dirty="0"/>
               <a:t>ㄴ</a:t>
             </a:r>
             <a:r>
-              <a:rPr lang="en-US" altLang="ko-KR" sz="1200"/>
+              <a:rPr lang="en-US" altLang="ko-KR" sz="1200" dirty="0"/>
               <a:t>) )</a:t>
             </a:r>
           </a:p>
           <a:p>
             <a:r>
-              <a:rPr lang="en-US" altLang="ko-KR" sz="1200"/>
+              <a:rPr lang="en-US" altLang="ko-KR" sz="1200" dirty="0"/>
               <a:t>  O - /</a:t>
             </a:r>
             <a:r>
-              <a:rPr lang="ko-KR" altLang="en-US" sz="1200"/>
+              <a:rPr lang="ko-KR" altLang="en-US" sz="1200" dirty="0" err="1"/>
               <a:t>괄호영소</a:t>
             </a:r>
             <a:r>
-              <a:rPr lang="en-US" altLang="ko-KR" sz="1200"/>
+              <a:rPr lang="en-US" altLang="ko-KR" sz="1200" dirty="0"/>
               <a:t>_ ~ /.</a:t>
             </a:r>
             <a:r>
-              <a:rPr lang="ko-KR" altLang="en-US" sz="1200"/>
-              <a:t>괄호영소   </a:t>
-            </a:r>
-            <a:r>
-              <a:rPr lang="en-US" altLang="ko-KR" sz="1200"/>
+              <a:rPr lang="ko-KR" altLang="en-US" sz="1200" dirty="0" err="1"/>
+              <a:t>괄호영소</a:t>
+            </a:r>
+            <a:r>
+              <a:rPr lang="ko-KR" altLang="en-US" sz="1200" dirty="0"/>
+              <a:t>   </a:t>
+            </a:r>
+            <a:r>
+              <a:rPr lang="en-US" altLang="ko-KR" sz="1200" dirty="0"/>
               <a:t>(ex. (a) (b) )</a:t>
             </a:r>
           </a:p>
           <a:p>
             <a:r>
-              <a:rPr lang="en-US" altLang="ko-KR" sz="1200"/>
+              <a:rPr lang="en-US" altLang="ko-KR" sz="1200" dirty="0"/>
               <a:t>  O - /</a:t>
             </a:r>
             <a:r>
-              <a:rPr lang="ko-KR" altLang="en-US" sz="1200"/>
+              <a:rPr lang="ko-KR" altLang="en-US" sz="1200" dirty="0" err="1"/>
               <a:t>괄호영대</a:t>
             </a:r>
             <a:r>
-              <a:rPr lang="en-US" altLang="ko-KR" sz="1200"/>
+              <a:rPr lang="en-US" altLang="ko-KR" sz="1200" dirty="0"/>
               <a:t>_ ~ /.</a:t>
             </a:r>
             <a:r>
-              <a:rPr lang="ko-KR" altLang="en-US" sz="1200"/>
-              <a:t>괄호영대   </a:t>
-            </a:r>
-            <a:r>
-              <a:rPr lang="en-US" altLang="ko-KR" sz="1200"/>
+              <a:rPr lang="ko-KR" altLang="en-US" sz="1200" dirty="0" err="1"/>
+              <a:t>괄호영대</a:t>
+            </a:r>
+            <a:r>
+              <a:rPr lang="ko-KR" altLang="en-US" sz="1200" dirty="0"/>
+              <a:t>   </a:t>
+            </a:r>
+            <a:r>
+              <a:rPr lang="en-US" altLang="ko-KR" sz="1200" dirty="0"/>
               <a:t>(ex. (A) (B) )</a:t>
             </a:r>
           </a:p>
